--- a/poster tracking lights.pptx
+++ b/poster tracking lights.pptx
@@ -206,7 +206,7 @@
           <a:p>
             <a:fld id="{CDF7AF62-86D8-402D-B735-90423DD750BA}" type="datetimeFigureOut">
               <a:rPr lang="nl-BE" smtClean="0"/>
-              <a:t>2/10/2023</a:t>
+              <a:t>18/12/2023</a:t>
             </a:fld>
             <a:endParaRPr lang="nl-BE"/>
           </a:p>
@@ -1608,287 +1608,6 @@
       </p:sp>
       <p:sp>
         <p:nvSpPr>
-          <p:cNvPr id="45" name="Rechthoek 44" descr="Camera met effen opvulling">
-            <a:extLst>
-              <a:ext uri="{FF2B5EF4-FFF2-40B4-BE49-F238E27FC236}">
-                <a16:creationId xmlns:a16="http://schemas.microsoft.com/office/drawing/2014/main" id="{2424B285-4B6A-6E92-C353-E107E7300EF0}"/>
-              </a:ext>
-            </a:extLst>
-          </p:cNvPr>
-          <p:cNvSpPr/>
-          <p:nvPr/>
-        </p:nvSpPr>
-        <p:spPr>
-          <a:xfrm>
-            <a:off x="15408275" y="26469474"/>
-            <a:ext cx="6729830" cy="10825299"/>
-          </a:xfrm>
-          <a:prstGeom prst="rect">
-            <a:avLst/>
-          </a:prstGeom>
-          <a:blipFill dpi="0" rotWithShape="1">
-            <a:blip r:embed="rId3">
-              <a:extLst>
-                <a:ext uri="{28A0092B-C50C-407E-A947-70E740481C1C}">
-                  <a14:useLocalDpi xmlns:a14="http://schemas.microsoft.com/office/drawing/2010/main" val="0"/>
-                </a:ext>
-              </a:extLst>
-            </a:blip>
-            <a:srcRect/>
-            <a:stretch>
-              <a:fillRect/>
-            </a:stretch>
-          </a:blipFill>
-          <a:ln>
-            <a:noFill/>
-          </a:ln>
-        </p:spPr>
-        <p:style>
-          <a:lnRef idx="2">
-            <a:schemeClr val="accent1">
-              <a:shade val="15000"/>
-            </a:schemeClr>
-          </a:lnRef>
-          <a:fillRef idx="1">
-            <a:schemeClr val="accent1"/>
-          </a:fillRef>
-          <a:effectRef idx="0">
-            <a:schemeClr val="accent1"/>
-          </a:effectRef>
-          <a:fontRef idx="minor">
-            <a:schemeClr val="lt1"/>
-          </a:fontRef>
-        </p:style>
-        <p:txBody>
-          <a:bodyPr rtlCol="0" anchor="ctr"/>
-          <a:lstStyle/>
-          <a:p>
-            <a:pPr algn="ctr"/>
-            <a:endParaRPr lang="nl-BE"/>
-          </a:p>
-        </p:txBody>
-      </p:sp>
-      <p:sp>
-        <p:nvSpPr>
-          <p:cNvPr id="46" name="Rechthoek 45" descr="Camera met effen opvulling">
-            <a:extLst>
-              <a:ext uri="{FF2B5EF4-FFF2-40B4-BE49-F238E27FC236}">
-                <a16:creationId xmlns:a16="http://schemas.microsoft.com/office/drawing/2014/main" id="{9217C33B-78C0-FF0A-A77C-7B104616D3E9}"/>
-              </a:ext>
-            </a:extLst>
-          </p:cNvPr>
-          <p:cNvSpPr/>
-          <p:nvPr/>
-        </p:nvSpPr>
-        <p:spPr>
-          <a:xfrm>
-            <a:off x="22762382" y="26469473"/>
-            <a:ext cx="6729830" cy="10825299"/>
-          </a:xfrm>
-          <a:prstGeom prst="rect">
-            <a:avLst/>
-          </a:prstGeom>
-          <a:blipFill dpi="0" rotWithShape="1">
-            <a:blip r:embed="rId4">
-              <a:extLst>
-                <a:ext uri="{28A0092B-C50C-407E-A947-70E740481C1C}">
-                  <a14:useLocalDpi xmlns:a14="http://schemas.microsoft.com/office/drawing/2010/main" val="0"/>
-                </a:ext>
-              </a:extLst>
-            </a:blip>
-            <a:srcRect/>
-            <a:stretch>
-              <a:fillRect/>
-            </a:stretch>
-          </a:blipFill>
-          <a:ln>
-            <a:noFill/>
-          </a:ln>
-        </p:spPr>
-        <p:style>
-          <a:lnRef idx="2">
-            <a:schemeClr val="accent1">
-              <a:shade val="15000"/>
-            </a:schemeClr>
-          </a:lnRef>
-          <a:fillRef idx="1">
-            <a:schemeClr val="accent1"/>
-          </a:fillRef>
-          <a:effectRef idx="0">
-            <a:schemeClr val="accent1"/>
-          </a:effectRef>
-          <a:fontRef idx="minor">
-            <a:schemeClr val="lt1"/>
-          </a:fontRef>
-        </p:style>
-        <p:txBody>
-          <a:bodyPr rtlCol="0" anchor="ctr"/>
-          <a:lstStyle/>
-          <a:p>
-            <a:pPr algn="ctr"/>
-            <a:endParaRPr lang="nl-BE"/>
-          </a:p>
-        </p:txBody>
-      </p:sp>
-      <p:sp>
-        <p:nvSpPr>
-          <p:cNvPr id="51" name="Vrije vorm: vorm 50">
-            <a:extLst>
-              <a:ext uri="{FF2B5EF4-FFF2-40B4-BE49-F238E27FC236}">
-                <a16:creationId xmlns:a16="http://schemas.microsoft.com/office/drawing/2014/main" id="{CFEEFDED-98D0-A3D3-98A0-B64EB8C3F307}"/>
-              </a:ext>
-            </a:extLst>
-          </p:cNvPr>
-          <p:cNvSpPr/>
-          <p:nvPr/>
-        </p:nvSpPr>
-        <p:spPr>
-          <a:xfrm>
-            <a:off x="15408274" y="6930189"/>
-            <a:ext cx="14083937" cy="18954509"/>
-          </a:xfrm>
-          <a:custGeom>
-            <a:avLst/>
-            <a:gdLst>
-              <a:gd name="connsiteX0" fmla="*/ 3128184 w 7218948"/>
-              <a:gd name="connsiteY0" fmla="*/ 0 h 8715612"/>
-              <a:gd name="connsiteX1" fmla="*/ 3320716 w 7218948"/>
-              <a:gd name="connsiteY1" fmla="*/ 0 h 8715612"/>
-              <a:gd name="connsiteX2" fmla="*/ 4090760 w 7218948"/>
-              <a:gd name="connsiteY2" fmla="*/ 0 h 8715612"/>
-              <a:gd name="connsiteX3" fmla="*/ 7218948 w 7218948"/>
-              <a:gd name="connsiteY3" fmla="*/ 0 h 8715612"/>
-              <a:gd name="connsiteX4" fmla="*/ 7218948 w 7218948"/>
-              <a:gd name="connsiteY4" fmla="*/ 3128187 h 8715612"/>
-              <a:gd name="connsiteX5" fmla="*/ 7218948 w 7218948"/>
-              <a:gd name="connsiteY5" fmla="*/ 5038312 h 8715612"/>
-              <a:gd name="connsiteX6" fmla="*/ 7218948 w 7218948"/>
-              <a:gd name="connsiteY6" fmla="*/ 8715612 h 8715612"/>
-              <a:gd name="connsiteX7" fmla="*/ 0 w 7218948"/>
-              <a:gd name="connsiteY7" fmla="*/ 8715612 h 8715612"/>
-              <a:gd name="connsiteX8" fmla="*/ 0 w 7218948"/>
-              <a:gd name="connsiteY8" fmla="*/ 3128187 h 8715612"/>
-              <a:gd name="connsiteX9" fmla="*/ 3128184 w 7218948"/>
-              <a:gd name="connsiteY9" fmla="*/ 0 h 8715612"/>
-            </a:gdLst>
-            <a:ahLst/>
-            <a:cxnLst>
-              <a:cxn ang="0">
-                <a:pos x="connsiteX0" y="connsiteY0"/>
-              </a:cxn>
-              <a:cxn ang="0">
-                <a:pos x="connsiteX1" y="connsiteY1"/>
-              </a:cxn>
-              <a:cxn ang="0">
-                <a:pos x="connsiteX2" y="connsiteY2"/>
-              </a:cxn>
-              <a:cxn ang="0">
-                <a:pos x="connsiteX3" y="connsiteY3"/>
-              </a:cxn>
-              <a:cxn ang="0">
-                <a:pos x="connsiteX4" y="connsiteY4"/>
-              </a:cxn>
-              <a:cxn ang="0">
-                <a:pos x="connsiteX5" y="connsiteY5"/>
-              </a:cxn>
-              <a:cxn ang="0">
-                <a:pos x="connsiteX6" y="connsiteY6"/>
-              </a:cxn>
-              <a:cxn ang="0">
-                <a:pos x="connsiteX7" y="connsiteY7"/>
-              </a:cxn>
-              <a:cxn ang="0">
-                <a:pos x="connsiteX8" y="connsiteY8"/>
-              </a:cxn>
-              <a:cxn ang="0">
-                <a:pos x="connsiteX9" y="connsiteY9"/>
-              </a:cxn>
-            </a:cxnLst>
-            <a:rect l="l" t="t" r="r" b="b"/>
-            <a:pathLst>
-              <a:path w="7218948" h="8715612">
-                <a:moveTo>
-                  <a:pt x="3128184" y="0"/>
-                </a:moveTo>
-                <a:lnTo>
-                  <a:pt x="3320716" y="0"/>
-                </a:lnTo>
-                <a:lnTo>
-                  <a:pt x="4090760" y="0"/>
-                </a:lnTo>
-                <a:lnTo>
-                  <a:pt x="7218948" y="0"/>
-                </a:lnTo>
-                <a:lnTo>
-                  <a:pt x="7218948" y="3128187"/>
-                </a:lnTo>
-                <a:lnTo>
-                  <a:pt x="7218948" y="5038312"/>
-                </a:lnTo>
-                <a:lnTo>
-                  <a:pt x="7218948" y="8715612"/>
-                </a:lnTo>
-                <a:lnTo>
-                  <a:pt x="0" y="8715612"/>
-                </a:lnTo>
-                <a:lnTo>
-                  <a:pt x="0" y="3128187"/>
-                </a:lnTo>
-                <a:cubicBezTo>
-                  <a:pt x="0" y="1400537"/>
-                  <a:pt x="1400536" y="0"/>
-                  <a:pt x="3128184" y="0"/>
-                </a:cubicBezTo>
-                <a:close/>
-              </a:path>
-            </a:pathLst>
-          </a:custGeom>
-          <a:blipFill dpi="0" rotWithShape="1">
-            <a:blip r:embed="rId5">
-              <a:extLst>
-                <a:ext uri="{28A0092B-C50C-407E-A947-70E740481C1C}">
-                  <a14:useLocalDpi xmlns:a14="http://schemas.microsoft.com/office/drawing/2010/main" val="0"/>
-                </a:ext>
-              </a:extLst>
-            </a:blip>
-            <a:srcRect/>
-            <a:stretch>
-              <a:fillRect/>
-            </a:stretch>
-          </a:blipFill>
-          <a:ln>
-            <a:noFill/>
-          </a:ln>
-        </p:spPr>
-        <p:style>
-          <a:lnRef idx="2">
-            <a:schemeClr val="accent1">
-              <a:shade val="15000"/>
-            </a:schemeClr>
-          </a:lnRef>
-          <a:fillRef idx="1">
-            <a:schemeClr val="accent1"/>
-          </a:fillRef>
-          <a:effectRef idx="0">
-            <a:schemeClr val="accent1"/>
-          </a:effectRef>
-          <a:fontRef idx="minor">
-            <a:schemeClr val="lt1"/>
-          </a:fontRef>
-        </p:style>
-        <p:txBody>
-          <a:bodyPr wrap="square" rtlCol="0" anchor="ctr">
-            <a:noAutofit/>
-          </a:bodyPr>
-          <a:lstStyle/>
-          <a:p>
-            <a:pPr algn="ctr"/>
-            <a:endParaRPr lang="nl-BE"/>
-          </a:p>
-        </p:txBody>
-      </p:sp>
-      <p:sp>
-        <p:nvSpPr>
           <p:cNvPr id="52" name="Tekstvak 51">
             <a:extLst>
               <a:ext uri="{FF2B5EF4-FFF2-40B4-BE49-F238E27FC236}">
@@ -2165,6 +1884,83 @@
           </a:p>
         </p:txBody>
       </p:sp>
+      <p:pic>
+        <p:nvPicPr>
+          <p:cNvPr id="5" name="Picture 2">
+            <a:extLst>
+              <a:ext uri="{FF2B5EF4-FFF2-40B4-BE49-F238E27FC236}">
+                <a16:creationId xmlns:a16="http://schemas.microsoft.com/office/drawing/2014/main" id="{4433AAE1-EADB-FFD9-05F0-E9E117293D7F}"/>
+              </a:ext>
+            </a:extLst>
+          </p:cNvPr>
+          <p:cNvPicPr>
+            <a:picLocks noChangeAspect="1" noChangeArrowheads="1"/>
+          </p:cNvPicPr>
+          <p:nvPr/>
+        </p:nvPicPr>
+        <p:blipFill>
+          <a:blip r:embed="rId3">
+            <a:extLst>
+              <a:ext uri="{28A0092B-C50C-407E-A947-70E740481C1C}">
+                <a14:useLocalDpi xmlns:a14="http://schemas.microsoft.com/office/drawing/2010/main" val="0"/>
+              </a:ext>
+            </a:extLst>
+          </a:blip>
+          <a:srcRect t="11581" b="11581"/>
+          <a:stretch>
+            <a:fillRect/>
+          </a:stretch>
+        </p:blipFill>
+        <p:spPr bwMode="auto">
+          <a:xfrm>
+            <a:off x="15408275" y="11619216"/>
+            <a:ext cx="14083937" cy="6153463"/>
+          </a:xfrm>
+          <a:prstGeom prst="rect">
+            <a:avLst/>
+          </a:prstGeom>
+          <a:noFill/>
+          <a:extLst>
+            <a:ext uri="{909E8E84-426E-40DD-AFC4-6F175D3DCCD1}">
+              <a14:hiddenFill xmlns:a14="http://schemas.microsoft.com/office/drawing/2010/main">
+                <a:solidFill>
+                  <a:srgbClr val="FFFFFF"/>
+                </a:solidFill>
+              </a14:hiddenFill>
+            </a:ext>
+          </a:extLst>
+        </p:spPr>
+      </p:pic>
+      <p:pic>
+        <p:nvPicPr>
+          <p:cNvPr id="6" name="Afbeelding 5" descr="Afbeelding met overdekt, muur&#10;&#10;Automatisch gegenereerde beschrijving">
+            <a:extLst>
+              <a:ext uri="{FF2B5EF4-FFF2-40B4-BE49-F238E27FC236}">
+                <a16:creationId xmlns:a16="http://schemas.microsoft.com/office/drawing/2014/main" id="{7370661A-D313-093D-3826-35463C2F4CDE}"/>
+              </a:ext>
+            </a:extLst>
+          </p:cNvPr>
+          <p:cNvPicPr>
+            <a:picLocks noChangeAspect="1"/>
+          </p:cNvPicPr>
+          <p:nvPr/>
+        </p:nvPicPr>
+        <p:blipFill>
+          <a:blip r:embed="rId4"/>
+          <a:stretch>
+            <a:fillRect/>
+          </a:stretch>
+        </p:blipFill>
+        <p:spPr>
+          <a:xfrm rot="5400000">
+            <a:off x="11128731" y="22552899"/>
+            <a:ext cx="19404118" cy="10927405"/>
+          </a:xfrm>
+          <a:prstGeom prst="rect">
+            <a:avLst/>
+          </a:prstGeom>
+        </p:spPr>
+      </p:pic>
     </p:spTree>
     <p:extLst>
       <p:ext uri="{BB962C8B-B14F-4D97-AF65-F5344CB8AC3E}">
@@ -2675,6 +2471,15 @@
 </file>
 
 <file path=customXml/item1.xml><?xml version="1.0" encoding="utf-8"?>
+<?mso-contentType ?>
+<FormTemplates xmlns="http://schemas.microsoft.com/sharepoint/v3/contenttype/forms">
+  <Display>DocumentLibraryForm</Display>
+  <Edit>DocumentLibraryForm</Edit>
+  <New>DocumentLibraryForm</New>
+</FormTemplates>
+</file>
+
+<file path=customXml/item2.xml><?xml version="1.0" encoding="utf-8"?>
 <p:properties xmlns:p="http://schemas.microsoft.com/office/2006/metadata/properties" xmlns:xsi="http://www.w3.org/2001/XMLSchema-instance" xmlns:pc="http://schemas.microsoft.com/office/infopath/2007/PartnerControls">
   <documentManagement>
     <TaxCatchAll xmlns="f921bb7d-4033-42bd-968a-881fd459c073" xsi:nil="true"/>
@@ -2685,7 +2490,7 @@
 </p:properties>
 </file>
 
-<file path=customXml/item2.xml><?xml version="1.0" encoding="utf-8"?>
+<file path=customXml/item3.xml><?xml version="1.0" encoding="utf-8"?>
 <ct:contentTypeSchema xmlns:ct="http://schemas.microsoft.com/office/2006/metadata/contentType" xmlns:ma="http://schemas.microsoft.com/office/2006/metadata/properties/metaAttributes" ct:_="" ma:_="" ma:contentTypeName="Document" ma:contentTypeID="0x0101001EA315BEEDAF0940BE0419D11160810D" ma:contentTypeVersion="13" ma:contentTypeDescription="Een nieuw document maken." ma:contentTypeScope="" ma:versionID="65cc36ba5ecf2b8ae38cfb5d3600ecb6">
   <xsd:schema xmlns:xsd="http://www.w3.org/2001/XMLSchema" xmlns:xs="http://www.w3.org/2001/XMLSchema" xmlns:p="http://schemas.microsoft.com/office/2006/metadata/properties" xmlns:ns2="7af3f08f-6b65-4c98-b033-853692dc00be" xmlns:ns3="f921bb7d-4033-42bd-968a-881fd459c073" targetNamespace="http://schemas.microsoft.com/office/2006/metadata/properties" ma:root="true" ma:fieldsID="4337c3901829783fe22243fefdc46442" ns2:_="" ns3:_="">
     <xsd:import namespace="7af3f08f-6b65-4c98-b033-853692dc00be"/>
@@ -2892,16 +2697,15 @@
 </ct:contentTypeSchema>
 </file>
 
-<file path=customXml/item3.xml><?xml version="1.0" encoding="utf-8"?>
-<?mso-contentType ?>
-<FormTemplates xmlns="http://schemas.microsoft.com/sharepoint/v3/contenttype/forms">
-  <Display>DocumentLibraryForm</Display>
-  <Edit>DocumentLibraryForm</Edit>
-  <New>DocumentLibraryForm</New>
-</FormTemplates>
+<file path=customXml/itemProps1.xml><?xml version="1.0" encoding="utf-8"?>
+<ds:datastoreItem xmlns:ds="http://schemas.openxmlformats.org/officeDocument/2006/customXml" ds:itemID="{E1FA04DA-A2C1-4A00-9FA4-1F6991DECE56}">
+  <ds:schemaRefs>
+    <ds:schemaRef ds:uri="http://schemas.microsoft.com/sharepoint/v3/contenttype/forms"/>
+  </ds:schemaRefs>
+</ds:datastoreItem>
 </file>
 
-<file path=customXml/itemProps1.xml><?xml version="1.0" encoding="utf-8"?>
+<file path=customXml/itemProps2.xml><?xml version="1.0" encoding="utf-8"?>
 <ds:datastoreItem xmlns:ds="http://schemas.openxmlformats.org/officeDocument/2006/customXml" ds:itemID="{B247EB90-66CA-4409-98FF-5024AA619E64}">
   <ds:schemaRefs>
     <ds:schemaRef ds:uri="7af3f08f-6b65-4c98-b033-853692dc00be"/>
@@ -2918,7 +2722,7 @@
 </ds:datastoreItem>
 </file>
 
-<file path=customXml/itemProps2.xml><?xml version="1.0" encoding="utf-8"?>
+<file path=customXml/itemProps3.xml><?xml version="1.0" encoding="utf-8"?>
 <ds:datastoreItem xmlns:ds="http://schemas.openxmlformats.org/officeDocument/2006/customXml" ds:itemID="{B09BCEE1-615B-41DE-9A08-D2B491EEAFBE}">
   <ds:schemaRefs>
     <ds:schemaRef ds:uri="7af3f08f-6b65-4c98-b033-853692dc00be"/>
@@ -2935,12 +2739,4 @@
     <ds:schemaRef ds:uri="http://www.w3.org/2001/XMLSchema"/>
   </ds:schemaRefs>
 </ds:datastoreItem>
-</file>
-
-<file path=customXml/itemProps3.xml><?xml version="1.0" encoding="utf-8"?>
-<ds:datastoreItem xmlns:ds="http://schemas.openxmlformats.org/officeDocument/2006/customXml" ds:itemID="{E1FA04DA-A2C1-4A00-9FA4-1F6991DECE56}">
-  <ds:schemaRefs>
-    <ds:schemaRef ds:uri="http://schemas.microsoft.com/sharepoint/v3/contenttype/forms"/>
-  </ds:schemaRefs>
-</ds:datastoreItem>
 </file>